--- a/문서/Work/레벨디자인/레벨디자인_스테이지1.pptx
+++ b/문서/Work/레벨디자인/레벨디자인_스테이지1.pptx
@@ -260,7 +260,7 @@
           <a:p>
             <a:fld id="{D5B262F4-FB50-4F41-8AED-2AA51BDF7B8D}" type="datetimeFigureOut">
               <a:rPr lang="ko-KR" altLang="en-US" smtClean="0"/>
-              <a:t>2019-08-23</a:t>
+              <a:t>2019-09-10</a:t>
             </a:fld>
             <a:endParaRPr lang="ko-KR" altLang="en-US"/>
           </a:p>
@@ -458,7 +458,7 @@
           <a:p>
             <a:fld id="{D5B262F4-FB50-4F41-8AED-2AA51BDF7B8D}" type="datetimeFigureOut">
               <a:rPr lang="ko-KR" altLang="en-US" smtClean="0"/>
-              <a:t>2019-08-23</a:t>
+              <a:t>2019-09-10</a:t>
             </a:fld>
             <a:endParaRPr lang="ko-KR" altLang="en-US"/>
           </a:p>
@@ -666,7 +666,7 @@
           <a:p>
             <a:fld id="{D5B262F4-FB50-4F41-8AED-2AA51BDF7B8D}" type="datetimeFigureOut">
               <a:rPr lang="ko-KR" altLang="en-US" smtClean="0"/>
-              <a:t>2019-08-23</a:t>
+              <a:t>2019-09-10</a:t>
             </a:fld>
             <a:endParaRPr lang="ko-KR" altLang="en-US"/>
           </a:p>
@@ -864,7 +864,7 @@
           <a:p>
             <a:fld id="{D5B262F4-FB50-4F41-8AED-2AA51BDF7B8D}" type="datetimeFigureOut">
               <a:rPr lang="ko-KR" altLang="en-US" smtClean="0"/>
-              <a:t>2019-08-23</a:t>
+              <a:t>2019-09-10</a:t>
             </a:fld>
             <a:endParaRPr lang="ko-KR" altLang="en-US"/>
           </a:p>
@@ -1139,7 +1139,7 @@
           <a:p>
             <a:fld id="{D5B262F4-FB50-4F41-8AED-2AA51BDF7B8D}" type="datetimeFigureOut">
               <a:rPr lang="ko-KR" altLang="en-US" smtClean="0"/>
-              <a:t>2019-08-23</a:t>
+              <a:t>2019-09-10</a:t>
             </a:fld>
             <a:endParaRPr lang="ko-KR" altLang="en-US"/>
           </a:p>
@@ -1404,7 +1404,7 @@
           <a:p>
             <a:fld id="{D5B262F4-FB50-4F41-8AED-2AA51BDF7B8D}" type="datetimeFigureOut">
               <a:rPr lang="ko-KR" altLang="en-US" smtClean="0"/>
-              <a:t>2019-08-23</a:t>
+              <a:t>2019-09-10</a:t>
             </a:fld>
             <a:endParaRPr lang="ko-KR" altLang="en-US"/>
           </a:p>
@@ -1816,7 +1816,7 @@
           <a:p>
             <a:fld id="{D5B262F4-FB50-4F41-8AED-2AA51BDF7B8D}" type="datetimeFigureOut">
               <a:rPr lang="ko-KR" altLang="en-US" smtClean="0"/>
-              <a:t>2019-08-23</a:t>
+              <a:t>2019-09-10</a:t>
             </a:fld>
             <a:endParaRPr lang="ko-KR" altLang="en-US"/>
           </a:p>
@@ -1957,7 +1957,7 @@
           <a:p>
             <a:fld id="{D5B262F4-FB50-4F41-8AED-2AA51BDF7B8D}" type="datetimeFigureOut">
               <a:rPr lang="ko-KR" altLang="en-US" smtClean="0"/>
-              <a:t>2019-08-23</a:t>
+              <a:t>2019-09-10</a:t>
             </a:fld>
             <a:endParaRPr lang="ko-KR" altLang="en-US"/>
           </a:p>
@@ -2070,7 +2070,7 @@
           <a:p>
             <a:fld id="{D5B262F4-FB50-4F41-8AED-2AA51BDF7B8D}" type="datetimeFigureOut">
               <a:rPr lang="ko-KR" altLang="en-US" smtClean="0"/>
-              <a:t>2019-08-23</a:t>
+              <a:t>2019-09-10</a:t>
             </a:fld>
             <a:endParaRPr lang="ko-KR" altLang="en-US"/>
           </a:p>
@@ -2381,7 +2381,7 @@
           <a:p>
             <a:fld id="{D5B262F4-FB50-4F41-8AED-2AA51BDF7B8D}" type="datetimeFigureOut">
               <a:rPr lang="ko-KR" altLang="en-US" smtClean="0"/>
-              <a:t>2019-08-23</a:t>
+              <a:t>2019-09-10</a:t>
             </a:fld>
             <a:endParaRPr lang="ko-KR" altLang="en-US"/>
           </a:p>
@@ -2669,7 +2669,7 @@
           <a:p>
             <a:fld id="{D5B262F4-FB50-4F41-8AED-2AA51BDF7B8D}" type="datetimeFigureOut">
               <a:rPr lang="ko-KR" altLang="en-US" smtClean="0"/>
-              <a:t>2019-08-23</a:t>
+              <a:t>2019-09-10</a:t>
             </a:fld>
             <a:endParaRPr lang="ko-KR" altLang="en-US"/>
           </a:p>
@@ -2910,7 +2910,7 @@
           <a:p>
             <a:fld id="{D5B262F4-FB50-4F41-8AED-2AA51BDF7B8D}" type="datetimeFigureOut">
               <a:rPr lang="ko-KR" altLang="en-US" smtClean="0"/>
-              <a:t>2019-08-23</a:t>
+              <a:t>2019-09-10</a:t>
             </a:fld>
             <a:endParaRPr lang="ko-KR" altLang="en-US"/>
           </a:p>
@@ -3329,6 +3329,52 @@
       </p:grpSpPr>
       <p:sp>
         <p:nvSpPr>
+          <p:cNvPr id="10" name="화살표: 아래쪽 9">
+            <a:extLst>
+              <a:ext uri="{FF2B5EF4-FFF2-40B4-BE49-F238E27FC236}">
+                <a16:creationId xmlns:a16="http://schemas.microsoft.com/office/drawing/2014/main" id="{FBA3FEF7-AB7F-48F6-A643-CBDA4445836D}"/>
+              </a:ext>
+            </a:extLst>
+          </p:cNvPr>
+          <p:cNvSpPr/>
+          <p:nvPr/>
+        </p:nvSpPr>
+        <p:spPr>
+          <a:xfrm rot="5400000">
+            <a:off x="7493852" y="3595307"/>
+            <a:ext cx="941947" cy="921540"/>
+          </a:xfrm>
+          <a:prstGeom prst="downArrow">
+            <a:avLst/>
+          </a:prstGeom>
+        </p:spPr>
+        <p:style>
+          <a:lnRef idx="2">
+            <a:schemeClr val="accent1">
+              <a:shade val="50000"/>
+            </a:schemeClr>
+          </a:lnRef>
+          <a:fillRef idx="1">
+            <a:schemeClr val="accent1"/>
+          </a:fillRef>
+          <a:effectRef idx="0">
+            <a:schemeClr val="accent1"/>
+          </a:effectRef>
+          <a:fontRef idx="minor">
+            <a:schemeClr val="lt1"/>
+          </a:fontRef>
+        </p:style>
+        <p:txBody>
+          <a:bodyPr rtlCol="0" anchor="ctr"/>
+          <a:lstStyle/>
+          <a:p>
+            <a:pPr algn="ctr"/>
+            <a:endParaRPr lang="ko-KR" altLang="en-US"/>
+          </a:p>
+        </p:txBody>
+      </p:sp>
+      <p:sp>
+        <p:nvSpPr>
           <p:cNvPr id="29" name="타원 28">
             <a:extLst>
               <a:ext uri="{FF2B5EF4-FFF2-40B4-BE49-F238E27FC236}">
@@ -3954,14 +4000,14 @@
           <p:nvPr>
             <p:extLst>
               <p:ext uri="{D42A27DB-BD31-4B8C-83A1-F6EECF244321}">
-                <p14:modId xmlns:p14="http://schemas.microsoft.com/office/powerpoint/2010/main" val="360182541"/>
+                <p14:modId xmlns:p14="http://schemas.microsoft.com/office/powerpoint/2010/main" val="2458499627"/>
               </p:ext>
             </p:extLst>
           </p:nvPr>
         </p:nvGraphicFramePr>
         <p:xfrm>
           <a:off x="9462781" y="747505"/>
-          <a:ext cx="2553050" cy="2595880"/>
+          <a:ext cx="2553050" cy="3337560"/>
         </p:xfrm>
         <a:graphic>
           <a:graphicData uri="http://schemas.openxmlformats.org/drawingml/2006/table">
@@ -4307,20 +4353,8 @@
                         <a:defRPr/>
                       </a:pPr>
                       <a:r>
-                        <a:rPr lang="ko-KR" altLang="en-US" dirty="0"/>
-                        <a:t>문</a:t>
-                      </a:r>
-                      <a:r>
-                        <a:rPr lang="en-US" altLang="ko-KR" dirty="0"/>
-                        <a:t>(</a:t>
-                      </a:r>
-                      <a:r>
-                        <a:rPr lang="ko-KR" altLang="en-US" dirty="0"/>
-                        <a:t>닫힘</a:t>
-                      </a:r>
-                      <a:r>
-                        <a:rPr lang="en-US" altLang="ko-KR" dirty="0"/>
-                        <a:t>)</a:t>
+                        <a:rPr lang="ko-KR" altLang="en-US" dirty="0" err="1"/>
+                        <a:t>포탑</a:t>
                       </a:r>
                       <a:endParaRPr lang="ko-KR" altLang="en-US" dirty="0"/>
                     </a:p>
@@ -4333,6 +4367,136 @@
                   </a:ext>
                 </a:extLst>
               </a:tr>
+              <a:tr h="370840">
+                <a:tc>
+                  <a:txBody>
+                    <a:bodyPr/>
+                    <a:lstStyle/>
+                    <a:p>
+                      <a:pPr latinLnBrk="1"/>
+                      <a:r>
+                        <a:rPr lang="en-US" altLang="ko-KR" dirty="0"/>
+                        <a:t>7</a:t>
+                      </a:r>
+                      <a:endParaRPr lang="ko-KR" altLang="en-US" dirty="0"/>
+                    </a:p>
+                  </a:txBody>
+                  <a:tcPr/>
+                </a:tc>
+                <a:tc>
+                  <a:txBody>
+                    <a:bodyPr/>
+                    <a:lstStyle/>
+                    <a:p>
+                      <a:pPr marL="0" marR="0" lvl="0" indent="0" algn="l" defTabSz="914400" rtl="0" eaLnBrk="1" fontAlgn="auto" latinLnBrk="1" hangingPunct="1">
+                        <a:lnSpc>
+                          <a:spcPct val="100000"/>
+                        </a:lnSpc>
+                        <a:spcBef>
+                          <a:spcPts val="0"/>
+                        </a:spcBef>
+                        <a:spcAft>
+                          <a:spcPts val="0"/>
+                        </a:spcAft>
+                        <a:buClrTx/>
+                        <a:buSzTx/>
+                        <a:buFontTx/>
+                        <a:buNone/>
+                        <a:tabLst/>
+                        <a:defRPr/>
+                      </a:pPr>
+                      <a:r>
+                        <a:rPr lang="ko-KR" altLang="en-US" dirty="0"/>
+                        <a:t>문</a:t>
+                      </a:r>
+                      <a:r>
+                        <a:rPr lang="en-US" altLang="ko-KR" dirty="0"/>
+                        <a:t>(</a:t>
+                      </a:r>
+                      <a:r>
+                        <a:rPr lang="ko-KR" altLang="en-US" dirty="0"/>
+                        <a:t>열림</a:t>
+                      </a:r>
+                      <a:r>
+                        <a:rPr lang="en-US" altLang="ko-KR" dirty="0"/>
+                        <a:t>)</a:t>
+                      </a:r>
+                      <a:endParaRPr lang="ko-KR" altLang="en-US" dirty="0"/>
+                    </a:p>
+                  </a:txBody>
+                  <a:tcPr/>
+                </a:tc>
+                <a:extLst>
+                  <a:ext uri="{0D108BD9-81ED-4DB2-BD59-A6C34878D82A}">
+                    <a16:rowId xmlns:a16="http://schemas.microsoft.com/office/drawing/2014/main" val="307019613"/>
+                  </a:ext>
+                </a:extLst>
+              </a:tr>
+              <a:tr h="370840">
+                <a:tc>
+                  <a:txBody>
+                    <a:bodyPr/>
+                    <a:lstStyle/>
+                    <a:p>
+                      <a:pPr latinLnBrk="1"/>
+                      <a:r>
+                        <a:rPr lang="en-US" altLang="ko-KR" dirty="0"/>
+                        <a:t>8</a:t>
+                      </a:r>
+                      <a:endParaRPr lang="ko-KR" altLang="en-US" dirty="0"/>
+                    </a:p>
+                  </a:txBody>
+                  <a:tcPr/>
+                </a:tc>
+                <a:tc>
+                  <a:txBody>
+                    <a:bodyPr/>
+                    <a:lstStyle/>
+                    <a:p>
+                      <a:pPr marL="0" marR="0" lvl="0" indent="0" algn="l" defTabSz="914400" rtl="0" eaLnBrk="1" fontAlgn="auto" latinLnBrk="1" hangingPunct="1">
+                        <a:lnSpc>
+                          <a:spcPct val="100000"/>
+                        </a:lnSpc>
+                        <a:spcBef>
+                          <a:spcPts val="0"/>
+                        </a:spcBef>
+                        <a:spcAft>
+                          <a:spcPts val="0"/>
+                        </a:spcAft>
+                        <a:buClrTx/>
+                        <a:buSzTx/>
+                        <a:buFontTx/>
+                        <a:buNone/>
+                        <a:tabLst/>
+                        <a:defRPr/>
+                      </a:pPr>
+                      <a:r>
+                        <a:rPr lang="ko-KR" altLang="en-US" dirty="0"/>
+                        <a:t>문</a:t>
+                      </a:r>
+                      <a:r>
+                        <a:rPr lang="en-US" altLang="ko-KR" dirty="0"/>
+                        <a:t>(</a:t>
+                      </a:r>
+                      <a:r>
+                        <a:rPr lang="ko-KR" altLang="en-US" dirty="0"/>
+                        <a:t>닫힘</a:t>
+                      </a:r>
+                      <a:r>
+                        <a:rPr lang="en-US" altLang="ko-KR" dirty="0"/>
+                        <a:t>)</a:t>
+                      </a:r>
+                      <a:endParaRPr lang="ko-KR" altLang="en-US" dirty="0"/>
+                    </a:p>
+                  </a:txBody>
+                  <a:tcPr/>
+                </a:tc>
+                <a:extLst>
+                  <a:ext uri="{0D108BD9-81ED-4DB2-BD59-A6C34878D82A}">
+                    <a16:rowId xmlns:a16="http://schemas.microsoft.com/office/drawing/2014/main" val="3722861770"/>
+                  </a:ext>
+                </a:extLst>
+              </a:tr>
             </a:tbl>
           </a:graphicData>
         </a:graphic>
@@ -4352,13 +4516,13 @@
           <p:nvPr>
             <p:extLst>
               <p:ext uri="{D42A27DB-BD31-4B8C-83A1-F6EECF244321}">
-                <p14:modId xmlns:p14="http://schemas.microsoft.com/office/powerpoint/2010/main" val="1402815317"/>
+                <p14:modId xmlns:p14="http://schemas.microsoft.com/office/powerpoint/2010/main" val="1389077769"/>
               </p:ext>
             </p:extLst>
           </p:nvPr>
         </p:nvGraphicFramePr>
         <p:xfrm>
-          <a:off x="9462781" y="3514616"/>
+          <a:off x="9462781" y="4408414"/>
           <a:ext cx="2553050" cy="1854200"/>
         </p:xfrm>
         <a:graphic>
@@ -4625,7 +4789,7 @@
                   <a:schemeClr val="tx1"/>
                 </a:solidFill>
               </a:rPr>
-              <a:t>6</a:t>
+              <a:t>8</a:t>
             </a:r>
             <a:endParaRPr lang="ko-KR" altLang="en-US" dirty="0">
               <a:solidFill>
@@ -4916,7 +5080,7 @@
         <p:spPr>
           <a:xfrm>
             <a:off x="5539531" y="3011646"/>
-            <a:ext cx="3789025" cy="2709646"/>
+            <a:ext cx="1705430" cy="1219604"/>
           </a:xfrm>
           <a:prstGeom prst="line">
             <a:avLst/>
@@ -5208,6 +5372,290 @@
           </a:prstGeom>
         </p:spPr>
       </p:pic>
+      <p:cxnSp>
+        <p:nvCxnSpPr>
+          <p:cNvPr id="35" name="직선 연결선 34">
+            <a:extLst>
+              <a:ext uri="{FF2B5EF4-FFF2-40B4-BE49-F238E27FC236}">
+                <a16:creationId xmlns:a16="http://schemas.microsoft.com/office/drawing/2014/main" id="{0DCB7F04-39BF-4046-AD0B-4E09EA667018}"/>
+              </a:ext>
+            </a:extLst>
+          </p:cNvPr>
+          <p:cNvCxnSpPr>
+            <a:cxnSpLocks/>
+          </p:cNvCxnSpPr>
+          <p:nvPr/>
+        </p:nvCxnSpPr>
+        <p:spPr>
+          <a:xfrm flipV="1">
+            <a:off x="8425606" y="3382117"/>
+            <a:ext cx="0" cy="1690094"/>
+          </a:xfrm>
+          <a:prstGeom prst="line">
+            <a:avLst/>
+          </a:prstGeom>
+        </p:spPr>
+        <p:style>
+          <a:lnRef idx="1">
+            <a:schemeClr val="accent1"/>
+          </a:lnRef>
+          <a:fillRef idx="0">
+            <a:schemeClr val="accent1"/>
+          </a:fillRef>
+          <a:effectRef idx="0">
+            <a:schemeClr val="accent1"/>
+          </a:effectRef>
+          <a:fontRef idx="minor">
+            <a:schemeClr val="tx1"/>
+          </a:fontRef>
+        </p:style>
+      </p:cxnSp>
+      <p:cxnSp>
+        <p:nvCxnSpPr>
+          <p:cNvPr id="36" name="직선 연결선 35">
+            <a:extLst>
+              <a:ext uri="{FF2B5EF4-FFF2-40B4-BE49-F238E27FC236}">
+                <a16:creationId xmlns:a16="http://schemas.microsoft.com/office/drawing/2014/main" id="{D8AB69EA-02A7-455F-AF9A-370C9135B9BA}"/>
+              </a:ext>
+            </a:extLst>
+          </p:cNvPr>
+          <p:cNvCxnSpPr>
+            <a:cxnSpLocks/>
+          </p:cNvCxnSpPr>
+          <p:nvPr/>
+        </p:nvCxnSpPr>
+        <p:spPr>
+          <a:xfrm flipV="1">
+            <a:off x="7244961" y="2545065"/>
+            <a:ext cx="0" cy="1686185"/>
+          </a:xfrm>
+          <a:prstGeom prst="line">
+            <a:avLst/>
+          </a:prstGeom>
+        </p:spPr>
+        <p:style>
+          <a:lnRef idx="1">
+            <a:schemeClr val="accent1"/>
+          </a:lnRef>
+          <a:fillRef idx="0">
+            <a:schemeClr val="accent1"/>
+          </a:fillRef>
+          <a:effectRef idx="0">
+            <a:schemeClr val="accent1"/>
+          </a:effectRef>
+          <a:fontRef idx="minor">
+            <a:schemeClr val="tx1"/>
+          </a:fontRef>
+        </p:style>
+      </p:cxnSp>
+      <p:cxnSp>
+        <p:nvCxnSpPr>
+          <p:cNvPr id="37" name="직선 연결선 36">
+            <a:extLst>
+              <a:ext uri="{FF2B5EF4-FFF2-40B4-BE49-F238E27FC236}">
+                <a16:creationId xmlns:a16="http://schemas.microsoft.com/office/drawing/2014/main" id="{92992189-8322-4787-AEA3-4F09175119AE}"/>
+              </a:ext>
+            </a:extLst>
+          </p:cNvPr>
+          <p:cNvCxnSpPr>
+            <a:cxnSpLocks/>
+          </p:cNvCxnSpPr>
+          <p:nvPr/>
+        </p:nvCxnSpPr>
+        <p:spPr>
+          <a:xfrm>
+            <a:off x="7255116" y="2545065"/>
+            <a:ext cx="1170490" cy="837052"/>
+          </a:xfrm>
+          <a:prstGeom prst="line">
+            <a:avLst/>
+          </a:prstGeom>
+        </p:spPr>
+        <p:style>
+          <a:lnRef idx="1">
+            <a:schemeClr val="accent1"/>
+          </a:lnRef>
+          <a:fillRef idx="0">
+            <a:schemeClr val="accent1"/>
+          </a:fillRef>
+          <a:effectRef idx="0">
+            <a:schemeClr val="accent1"/>
+          </a:effectRef>
+          <a:fontRef idx="minor">
+            <a:schemeClr val="tx1"/>
+          </a:fontRef>
+        </p:style>
+      </p:cxnSp>
+      <p:sp>
+        <p:nvSpPr>
+          <p:cNvPr id="39" name="타원 38">
+            <a:extLst>
+              <a:ext uri="{FF2B5EF4-FFF2-40B4-BE49-F238E27FC236}">
+                <a16:creationId xmlns:a16="http://schemas.microsoft.com/office/drawing/2014/main" id="{D1DA724E-7E35-4706-AC6C-DFE34F2C7502}"/>
+              </a:ext>
+            </a:extLst>
+          </p:cNvPr>
+          <p:cNvSpPr/>
+          <p:nvPr/>
+        </p:nvSpPr>
+        <p:spPr>
+          <a:xfrm>
+            <a:off x="7369832" y="3372596"/>
+            <a:ext cx="394283" cy="394283"/>
+          </a:xfrm>
+          <a:prstGeom prst="ellipse">
+            <a:avLst/>
+          </a:prstGeom>
+          <a:solidFill>
+            <a:schemeClr val="bg1"/>
+          </a:solidFill>
+          <a:ln w="28575">
+            <a:solidFill>
+              <a:schemeClr val="accent2"/>
+            </a:solidFill>
+          </a:ln>
+        </p:spPr>
+        <p:style>
+          <a:lnRef idx="2">
+            <a:schemeClr val="accent1">
+              <a:shade val="50000"/>
+            </a:schemeClr>
+          </a:lnRef>
+          <a:fillRef idx="1">
+            <a:schemeClr val="accent1"/>
+          </a:fillRef>
+          <a:effectRef idx="0">
+            <a:schemeClr val="accent1"/>
+          </a:effectRef>
+          <a:fontRef idx="minor">
+            <a:schemeClr val="lt1"/>
+          </a:fontRef>
+        </p:style>
+        <p:txBody>
+          <a:bodyPr rtlCol="0" anchor="ctr"/>
+          <a:lstStyle/>
+          <a:p>
+            <a:pPr algn="ctr"/>
+            <a:r>
+              <a:rPr lang="en-US" altLang="ko-KR" dirty="0">
+                <a:solidFill>
+                  <a:schemeClr val="tx1"/>
+                </a:solidFill>
+              </a:rPr>
+              <a:t>6</a:t>
+            </a:r>
+            <a:endParaRPr lang="ko-KR" altLang="en-US" dirty="0">
+              <a:solidFill>
+                <a:schemeClr val="tx1"/>
+              </a:solidFill>
+            </a:endParaRPr>
+          </a:p>
+        </p:txBody>
+      </p:sp>
+      <p:cxnSp>
+        <p:nvCxnSpPr>
+          <p:cNvPr id="33" name="직선 연결선 32">
+            <a:extLst>
+              <a:ext uri="{FF2B5EF4-FFF2-40B4-BE49-F238E27FC236}">
+                <a16:creationId xmlns:a16="http://schemas.microsoft.com/office/drawing/2014/main" id="{1B7BFF37-64DA-40EE-ACAB-CC9E3BDCCD67}"/>
+              </a:ext>
+            </a:extLst>
+          </p:cNvPr>
+          <p:cNvCxnSpPr>
+            <a:cxnSpLocks/>
+          </p:cNvCxnSpPr>
+          <p:nvPr/>
+        </p:nvCxnSpPr>
+        <p:spPr>
+          <a:xfrm>
+            <a:off x="8425606" y="5072211"/>
+            <a:ext cx="902949" cy="645726"/>
+          </a:xfrm>
+          <a:prstGeom prst="line">
+            <a:avLst/>
+          </a:prstGeom>
+        </p:spPr>
+        <p:style>
+          <a:lnRef idx="1">
+            <a:schemeClr val="accent1"/>
+          </a:lnRef>
+          <a:fillRef idx="0">
+            <a:schemeClr val="accent1"/>
+          </a:fillRef>
+          <a:effectRef idx="0">
+            <a:schemeClr val="accent1"/>
+          </a:effectRef>
+          <a:fontRef idx="minor">
+            <a:schemeClr val="tx1"/>
+          </a:fontRef>
+        </p:style>
+      </p:cxnSp>
+      <p:sp>
+        <p:nvSpPr>
+          <p:cNvPr id="38" name="타원 37">
+            <a:extLst>
+              <a:ext uri="{FF2B5EF4-FFF2-40B4-BE49-F238E27FC236}">
+                <a16:creationId xmlns:a16="http://schemas.microsoft.com/office/drawing/2014/main" id="{D0A64450-1530-4F2C-82D9-FB3371F9DBF8}"/>
+              </a:ext>
+            </a:extLst>
+          </p:cNvPr>
+          <p:cNvSpPr/>
+          <p:nvPr/>
+        </p:nvSpPr>
+        <p:spPr>
+          <a:xfrm>
+            <a:off x="7052898" y="2342079"/>
+            <a:ext cx="394283" cy="394283"/>
+          </a:xfrm>
+          <a:prstGeom prst="ellipse">
+            <a:avLst/>
+          </a:prstGeom>
+          <a:solidFill>
+            <a:schemeClr val="bg1"/>
+          </a:solidFill>
+          <a:ln w="28575">
+            <a:solidFill>
+              <a:schemeClr val="accent2"/>
+            </a:solidFill>
+          </a:ln>
+        </p:spPr>
+        <p:style>
+          <a:lnRef idx="2">
+            <a:schemeClr val="accent1">
+              <a:shade val="50000"/>
+            </a:schemeClr>
+          </a:lnRef>
+          <a:fillRef idx="1">
+            <a:schemeClr val="accent1"/>
+          </a:fillRef>
+          <a:effectRef idx="0">
+            <a:schemeClr val="accent1"/>
+          </a:effectRef>
+          <a:fontRef idx="minor">
+            <a:schemeClr val="lt1"/>
+          </a:fontRef>
+        </p:style>
+        <p:txBody>
+          <a:bodyPr rtlCol="0" anchor="ctr"/>
+          <a:lstStyle/>
+          <a:p>
+            <a:pPr algn="ctr"/>
+            <a:r>
+              <a:rPr lang="en-US" altLang="ko-KR" dirty="0">
+                <a:solidFill>
+                  <a:schemeClr val="tx1"/>
+                </a:solidFill>
+              </a:rPr>
+              <a:t>7</a:t>
+            </a:r>
+            <a:endParaRPr lang="ko-KR" altLang="en-US" dirty="0">
+              <a:solidFill>
+                <a:schemeClr val="tx1"/>
+              </a:solidFill>
+            </a:endParaRPr>
+          </a:p>
+        </p:txBody>
+      </p:sp>
     </p:spTree>
     <p:extLst>
       <p:ext uri="{BB962C8B-B14F-4D97-AF65-F5344CB8AC3E}">
@@ -5550,7 +5998,7 @@
           <p:nvPr>
             <p:extLst>
               <p:ext uri="{D42A27DB-BD31-4B8C-83A1-F6EECF244321}">
-                <p14:modId xmlns:p14="http://schemas.microsoft.com/office/powerpoint/2010/main" val="1745784037"/>
+                <p14:modId xmlns:p14="http://schemas.microsoft.com/office/powerpoint/2010/main" val="1634511267"/>
               </p:ext>
             </p:extLst>
           </p:nvPr>
@@ -5650,7 +6098,7 @@
                       <a:pPr latinLnBrk="1"/>
                       <a:r>
                         <a:rPr lang="ko-KR" altLang="en-US" dirty="0"/>
-                        <a:t>⑦과 전이</a:t>
+                        <a:t>⑧과 전이</a:t>
                       </a:r>
                     </a:p>
                   </a:txBody>
@@ -5809,7 +6257,7 @@
                   <a:schemeClr val="tx1"/>
                 </a:solidFill>
               </a:rPr>
-              <a:t>6</a:t>
+              <a:t>7</a:t>
             </a:r>
             <a:endParaRPr lang="ko-KR" altLang="en-US" dirty="0">
               <a:solidFill>
@@ -6179,7 +6627,7 @@
                   <a:schemeClr val="tx1"/>
                 </a:solidFill>
               </a:rPr>
-              <a:t>7</a:t>
+              <a:t>8</a:t>
             </a:r>
             <a:endParaRPr lang="ko-KR" altLang="en-US" dirty="0">
               <a:solidFill>
@@ -6240,14 +6688,14 @@
           <p:nvPr>
             <p:extLst>
               <p:ext uri="{D42A27DB-BD31-4B8C-83A1-F6EECF244321}">
-                <p14:modId xmlns:p14="http://schemas.microsoft.com/office/powerpoint/2010/main" val="2938465477"/>
+                <p14:modId xmlns:p14="http://schemas.microsoft.com/office/powerpoint/2010/main" val="2998184438"/>
               </p:ext>
             </p:extLst>
           </p:nvPr>
         </p:nvGraphicFramePr>
         <p:xfrm>
           <a:off x="9462781" y="747505"/>
-          <a:ext cx="2553050" cy="2966720"/>
+          <a:ext cx="2553050" cy="3337560"/>
         </p:xfrm>
         <a:graphic>
           <a:graphicData uri="http://schemas.openxmlformats.org/drawingml/2006/table">
@@ -6602,7 +7050,7 @@
                       </a:r>
                       <a:r>
                         <a:rPr lang="ko-KR" altLang="en-US" dirty="0"/>
-                        <a:t>열림</a:t>
+                        <a:t>닫힘</a:t>
                       </a:r>
                       <a:r>
                         <a:rPr lang="en-US" altLang="ko-KR" dirty="0"/>
@@ -6658,8 +7106,8 @@
                         <a:defRPr/>
                       </a:pPr>
                       <a:r>
-                        <a:rPr lang="ko-KR" altLang="en-US" dirty="0" err="1"/>
-                        <a:t>마나스톤</a:t>
+                        <a:rPr lang="ko-KR" altLang="en-US" dirty="0"/>
+                        <a:t>문</a:t>
                       </a:r>
                       <a:r>
                         <a:rPr lang="en-US" altLang="ko-KR" dirty="0"/>
@@ -6667,7 +7115,7 @@
                       </a:r>
                       <a:r>
                         <a:rPr lang="ko-KR" altLang="en-US" dirty="0"/>
-                        <a:t>초록</a:t>
+                        <a:t>열림</a:t>
                       </a:r>
                       <a:r>
                         <a:rPr lang="en-US" altLang="ko-KR" dirty="0"/>
@@ -6681,6 +7129,71 @@
                 <a:extLst>
                   <a:ext uri="{0D108BD9-81ED-4DB2-BD59-A6C34878D82A}">
                     <a16:rowId xmlns:a16="http://schemas.microsoft.com/office/drawing/2014/main" val="3247340357"/>
+                  </a:ext>
+                </a:extLst>
+              </a:tr>
+              <a:tr h="370840">
+                <a:tc>
+                  <a:txBody>
+                    <a:bodyPr/>
+                    <a:lstStyle/>
+                    <a:p>
+                      <a:pPr latinLnBrk="1"/>
+                      <a:r>
+                        <a:rPr lang="en-US" altLang="ko-KR" dirty="0"/>
+                        <a:t>8</a:t>
+                      </a:r>
+                      <a:endParaRPr lang="ko-KR" altLang="en-US" dirty="0"/>
+                    </a:p>
+                  </a:txBody>
+                  <a:tcPr/>
+                </a:tc>
+                <a:tc>
+                  <a:txBody>
+                    <a:bodyPr/>
+                    <a:lstStyle/>
+                    <a:p>
+                      <a:pPr marL="0" marR="0" lvl="0" indent="0" algn="l" defTabSz="914400" rtl="0" eaLnBrk="1" fontAlgn="auto" latinLnBrk="1" hangingPunct="1">
+                        <a:lnSpc>
+                          <a:spcPct val="100000"/>
+                        </a:lnSpc>
+                        <a:spcBef>
+                          <a:spcPts val="0"/>
+                        </a:spcBef>
+                        <a:spcAft>
+                          <a:spcPts val="0"/>
+                        </a:spcAft>
+                        <a:buClrTx/>
+                        <a:buSzTx/>
+                        <a:buFontTx/>
+                        <a:buNone/>
+                        <a:tabLst/>
+                        <a:defRPr/>
+                      </a:pPr>
+                      <a:r>
+                        <a:rPr lang="ko-KR" altLang="en-US" dirty="0" err="1"/>
+                        <a:t>마나스톤</a:t>
+                      </a:r>
+                      <a:r>
+                        <a:rPr lang="en-US" altLang="ko-KR" dirty="0"/>
+                        <a:t>(</a:t>
+                      </a:r>
+                      <a:r>
+                        <a:rPr lang="ko-KR" altLang="en-US" dirty="0"/>
+                        <a:t>초록</a:t>
+                      </a:r>
+                      <a:r>
+                        <a:rPr lang="en-US" altLang="ko-KR" dirty="0"/>
+                        <a:t>)</a:t>
+                      </a:r>
+                      <a:endParaRPr lang="ko-KR" altLang="en-US" dirty="0"/>
+                    </a:p>
+                  </a:txBody>
+                  <a:tcPr/>
+                </a:tc>
+                <a:extLst>
+                  <a:ext uri="{0D108BD9-81ED-4DB2-BD59-A6C34878D82A}">
+                    <a16:rowId xmlns:a16="http://schemas.microsoft.com/office/drawing/2014/main" val="3462087605"/>
                   </a:ext>
                 </a:extLst>
               </a:tr>
@@ -7321,6 +7834,224 @@
           <a:p>
             <a:pPr algn="ctr"/>
             <a:endParaRPr lang="ko-KR" altLang="en-US"/>
+          </a:p>
+        </p:txBody>
+      </p:sp>
+      <p:cxnSp>
+        <p:nvCxnSpPr>
+          <p:cNvPr id="41" name="직선 연결선 40">
+            <a:extLst>
+              <a:ext uri="{FF2B5EF4-FFF2-40B4-BE49-F238E27FC236}">
+                <a16:creationId xmlns:a16="http://schemas.microsoft.com/office/drawing/2014/main" id="{CC259C4F-8349-4B0F-93FD-C86A516179FF}"/>
+              </a:ext>
+            </a:extLst>
+          </p:cNvPr>
+          <p:cNvCxnSpPr>
+            <a:cxnSpLocks/>
+          </p:cNvCxnSpPr>
+          <p:nvPr/>
+        </p:nvCxnSpPr>
+        <p:spPr>
+          <a:xfrm>
+            <a:off x="8425606" y="5072211"/>
+            <a:ext cx="902949" cy="645726"/>
+          </a:xfrm>
+          <a:prstGeom prst="line">
+            <a:avLst/>
+          </a:prstGeom>
+        </p:spPr>
+        <p:style>
+          <a:lnRef idx="1">
+            <a:schemeClr val="accent1"/>
+          </a:lnRef>
+          <a:fillRef idx="0">
+            <a:schemeClr val="accent1"/>
+          </a:fillRef>
+          <a:effectRef idx="0">
+            <a:schemeClr val="accent1"/>
+          </a:effectRef>
+          <a:fontRef idx="minor">
+            <a:schemeClr val="tx1"/>
+          </a:fontRef>
+        </p:style>
+      </p:cxnSp>
+      <p:cxnSp>
+        <p:nvCxnSpPr>
+          <p:cNvPr id="42" name="직선 연결선 41">
+            <a:extLst>
+              <a:ext uri="{FF2B5EF4-FFF2-40B4-BE49-F238E27FC236}">
+                <a16:creationId xmlns:a16="http://schemas.microsoft.com/office/drawing/2014/main" id="{637700C2-1678-4510-9A17-DC6A9244B685}"/>
+              </a:ext>
+            </a:extLst>
+          </p:cNvPr>
+          <p:cNvCxnSpPr>
+            <a:cxnSpLocks/>
+          </p:cNvCxnSpPr>
+          <p:nvPr/>
+        </p:nvCxnSpPr>
+        <p:spPr>
+          <a:xfrm flipV="1">
+            <a:off x="8425606" y="3382117"/>
+            <a:ext cx="0" cy="1690094"/>
+          </a:xfrm>
+          <a:prstGeom prst="line">
+            <a:avLst/>
+          </a:prstGeom>
+        </p:spPr>
+        <p:style>
+          <a:lnRef idx="1">
+            <a:schemeClr val="accent1"/>
+          </a:lnRef>
+          <a:fillRef idx="0">
+            <a:schemeClr val="accent1"/>
+          </a:fillRef>
+          <a:effectRef idx="0">
+            <a:schemeClr val="accent1"/>
+          </a:effectRef>
+          <a:fontRef idx="minor">
+            <a:schemeClr val="tx1"/>
+          </a:fontRef>
+        </p:style>
+      </p:cxnSp>
+      <p:cxnSp>
+        <p:nvCxnSpPr>
+          <p:cNvPr id="43" name="직선 연결선 42">
+            <a:extLst>
+              <a:ext uri="{FF2B5EF4-FFF2-40B4-BE49-F238E27FC236}">
+                <a16:creationId xmlns:a16="http://schemas.microsoft.com/office/drawing/2014/main" id="{A8399D64-8EAF-4FBB-B317-587BE9554C53}"/>
+              </a:ext>
+            </a:extLst>
+          </p:cNvPr>
+          <p:cNvCxnSpPr>
+            <a:cxnSpLocks/>
+          </p:cNvCxnSpPr>
+          <p:nvPr/>
+        </p:nvCxnSpPr>
+        <p:spPr>
+          <a:xfrm flipV="1">
+            <a:off x="7244961" y="2545065"/>
+            <a:ext cx="0" cy="1686185"/>
+          </a:xfrm>
+          <a:prstGeom prst="line">
+            <a:avLst/>
+          </a:prstGeom>
+        </p:spPr>
+        <p:style>
+          <a:lnRef idx="1">
+            <a:schemeClr val="accent1"/>
+          </a:lnRef>
+          <a:fillRef idx="0">
+            <a:schemeClr val="accent1"/>
+          </a:fillRef>
+          <a:effectRef idx="0">
+            <a:schemeClr val="accent1"/>
+          </a:effectRef>
+          <a:fontRef idx="minor">
+            <a:schemeClr val="tx1"/>
+          </a:fontRef>
+        </p:style>
+      </p:cxnSp>
+      <p:cxnSp>
+        <p:nvCxnSpPr>
+          <p:cNvPr id="44" name="직선 연결선 43">
+            <a:extLst>
+              <a:ext uri="{FF2B5EF4-FFF2-40B4-BE49-F238E27FC236}">
+                <a16:creationId xmlns:a16="http://schemas.microsoft.com/office/drawing/2014/main" id="{5145DAAF-9E49-4FCB-AB95-8333EED02D5C}"/>
+              </a:ext>
+            </a:extLst>
+          </p:cNvPr>
+          <p:cNvCxnSpPr>
+            <a:cxnSpLocks/>
+          </p:cNvCxnSpPr>
+          <p:nvPr/>
+        </p:nvCxnSpPr>
+        <p:spPr>
+          <a:xfrm>
+            <a:off x="7255116" y="2545065"/>
+            <a:ext cx="1170490" cy="837052"/>
+          </a:xfrm>
+          <a:prstGeom prst="line">
+            <a:avLst/>
+          </a:prstGeom>
+        </p:spPr>
+        <p:style>
+          <a:lnRef idx="1">
+            <a:schemeClr val="accent1"/>
+          </a:lnRef>
+          <a:fillRef idx="0">
+            <a:schemeClr val="accent1"/>
+          </a:fillRef>
+          <a:effectRef idx="0">
+            <a:schemeClr val="accent1"/>
+          </a:effectRef>
+          <a:fontRef idx="minor">
+            <a:schemeClr val="tx1"/>
+          </a:fontRef>
+        </p:style>
+      </p:cxnSp>
+      <p:sp>
+        <p:nvSpPr>
+          <p:cNvPr id="45" name="타원 44">
+            <a:extLst>
+              <a:ext uri="{FF2B5EF4-FFF2-40B4-BE49-F238E27FC236}">
+                <a16:creationId xmlns:a16="http://schemas.microsoft.com/office/drawing/2014/main" id="{DADD6B7A-500A-4677-ADEF-F5349F3DD4EF}"/>
+              </a:ext>
+            </a:extLst>
+          </p:cNvPr>
+          <p:cNvSpPr/>
+          <p:nvPr/>
+        </p:nvSpPr>
+        <p:spPr>
+          <a:xfrm>
+            <a:off x="7369832" y="3372596"/>
+            <a:ext cx="394283" cy="394283"/>
+          </a:xfrm>
+          <a:prstGeom prst="ellipse">
+            <a:avLst/>
+          </a:prstGeom>
+          <a:solidFill>
+            <a:schemeClr val="bg1"/>
+          </a:solidFill>
+          <a:ln w="28575">
+            <a:solidFill>
+              <a:schemeClr val="accent2"/>
+            </a:solidFill>
+          </a:ln>
+        </p:spPr>
+        <p:style>
+          <a:lnRef idx="2">
+            <a:schemeClr val="accent1">
+              <a:shade val="50000"/>
+            </a:schemeClr>
+          </a:lnRef>
+          <a:fillRef idx="1">
+            <a:schemeClr val="accent1"/>
+          </a:fillRef>
+          <a:effectRef idx="0">
+            <a:schemeClr val="accent1"/>
+          </a:effectRef>
+          <a:fontRef idx="minor">
+            <a:schemeClr val="lt1"/>
+          </a:fontRef>
+        </p:style>
+        <p:txBody>
+          <a:bodyPr rtlCol="0" anchor="ctr"/>
+          <a:lstStyle/>
+          <a:p>
+            <a:pPr algn="ctr"/>
+            <a:r>
+              <a:rPr lang="en-US" altLang="ko-KR" dirty="0">
+                <a:solidFill>
+                  <a:schemeClr val="tx1"/>
+                </a:solidFill>
+              </a:rPr>
+              <a:t>6</a:t>
+            </a:r>
+            <a:endParaRPr lang="ko-KR" altLang="en-US" dirty="0">
+              <a:solidFill>
+                <a:schemeClr val="tx1"/>
+              </a:solidFill>
+            </a:endParaRPr>
           </a:p>
         </p:txBody>
       </p:sp>
